--- a/Tréfa Iszogató.pptx
+++ b/Tréfa Iszogató.pptx
@@ -7,7 +7,9 @@
   <p:sldIdLst>
     <p:sldId id="256" r:id="rId2"/>
     <p:sldId id="257" r:id="rId3"/>
-    <p:sldId id="258" r:id="rId4"/>
+    <p:sldId id="259" r:id="rId4"/>
+    <p:sldId id="260" r:id="rId5"/>
+    <p:sldId id="258" r:id="rId6"/>
   </p:sldIdLst>
   <p:sldSz cx="12192000" cy="6858000"/>
   <p:notesSz cx="6858000" cy="9144000"/>
@@ -567,7 +569,7 @@
           <a:p>
             <a:fld id="{886DB799-DD5A-4419-95B3-0B9B9DA0701F}" type="datetimeFigureOut">
               <a:rPr lang="hu-HU" smtClean="0"/>
-              <a:t>2021.12.06</a:t>
+              <a:t>2021.12.10</a:t>
             </a:fld>
             <a:endParaRPr lang="hu-HU"/>
           </a:p>
@@ -902,7 +904,7 @@
           <a:p>
             <a:fld id="{886DB799-DD5A-4419-95B3-0B9B9DA0701F}" type="datetimeFigureOut">
               <a:rPr lang="hu-HU" smtClean="0"/>
-              <a:t>2021.12.06</a:t>
+              <a:t>2021.12.10</a:t>
             </a:fld>
             <a:endParaRPr lang="hu-HU"/>
           </a:p>
@@ -1101,7 +1103,7 @@
           <a:p>
             <a:fld id="{886DB799-DD5A-4419-95B3-0B9B9DA0701F}" type="datetimeFigureOut">
               <a:rPr lang="hu-HU" smtClean="0"/>
-              <a:t>2021.12.06</a:t>
+              <a:t>2021.12.10</a:t>
             </a:fld>
             <a:endParaRPr lang="hu-HU"/>
           </a:p>
@@ -1374,7 +1376,7 @@
           <a:p>
             <a:fld id="{886DB799-DD5A-4419-95B3-0B9B9DA0701F}" type="datetimeFigureOut">
               <a:rPr lang="hu-HU" smtClean="0"/>
-              <a:t>2021.12.06</a:t>
+              <a:t>2021.12.10</a:t>
             </a:fld>
             <a:endParaRPr lang="hu-HU"/>
           </a:p>
@@ -1805,7 +1807,7 @@
           <a:p>
             <a:fld id="{886DB799-DD5A-4419-95B3-0B9B9DA0701F}" type="datetimeFigureOut">
               <a:rPr lang="hu-HU" smtClean="0"/>
-              <a:t>2021.12.06</a:t>
+              <a:t>2021.12.10</a:t>
             </a:fld>
             <a:endParaRPr lang="hu-HU"/>
           </a:p>
@@ -2358,7 +2360,7 @@
           <a:p>
             <a:fld id="{886DB799-DD5A-4419-95B3-0B9B9DA0701F}" type="datetimeFigureOut">
               <a:rPr lang="hu-HU" smtClean="0"/>
-              <a:t>2021.12.06</a:t>
+              <a:t>2021.12.10</a:t>
             </a:fld>
             <a:endParaRPr lang="hu-HU"/>
           </a:p>
@@ -3151,7 +3153,7 @@
           <a:p>
             <a:fld id="{886DB799-DD5A-4419-95B3-0B9B9DA0701F}" type="datetimeFigureOut">
               <a:rPr lang="hu-HU" smtClean="0"/>
-              <a:t>2021.12.06</a:t>
+              <a:t>2021.12.10</a:t>
             </a:fld>
             <a:endParaRPr lang="hu-HU"/>
           </a:p>
@@ -3333,7 +3335,7 @@
           <a:p>
             <a:fld id="{886DB799-DD5A-4419-95B3-0B9B9DA0701F}" type="datetimeFigureOut">
               <a:rPr lang="hu-HU" smtClean="0"/>
-              <a:t>2021.12.06</a:t>
+              <a:t>2021.12.10</a:t>
             </a:fld>
             <a:endParaRPr lang="hu-HU"/>
           </a:p>
@@ -3520,7 +3522,7 @@
           <a:p>
             <a:fld id="{886DB799-DD5A-4419-95B3-0B9B9DA0701F}" type="datetimeFigureOut">
               <a:rPr lang="hu-HU" smtClean="0"/>
-              <a:t>2021.12.06</a:t>
+              <a:t>2021.12.10</a:t>
             </a:fld>
             <a:endParaRPr lang="hu-HU"/>
           </a:p>
@@ -3693,7 +3695,7 @@
           <a:p>
             <a:fld id="{886DB799-DD5A-4419-95B3-0B9B9DA0701F}" type="datetimeFigureOut">
               <a:rPr lang="hu-HU" smtClean="0"/>
-              <a:t>2021.12.06</a:t>
+              <a:t>2021.12.10</a:t>
             </a:fld>
             <a:endParaRPr lang="hu-HU"/>
           </a:p>
@@ -3878,7 +3880,7 @@
           <a:p>
             <a:fld id="{886DB799-DD5A-4419-95B3-0B9B9DA0701F}" type="datetimeFigureOut">
               <a:rPr lang="hu-HU" smtClean="0"/>
-              <a:t>2021.12.06</a:t>
+              <a:t>2021.12.10</a:t>
             </a:fld>
             <a:endParaRPr lang="hu-HU"/>
           </a:p>
@@ -4131,7 +4133,7 @@
           <a:p>
             <a:fld id="{886DB799-DD5A-4419-95B3-0B9B9DA0701F}" type="datetimeFigureOut">
               <a:rPr lang="hu-HU" smtClean="0"/>
-              <a:t>2021.12.06</a:t>
+              <a:t>2021.12.10</a:t>
             </a:fld>
             <a:endParaRPr lang="hu-HU"/>
           </a:p>
@@ -4371,7 +4373,7 @@
           <a:p>
             <a:fld id="{886DB799-DD5A-4419-95B3-0B9B9DA0701F}" type="datetimeFigureOut">
               <a:rPr lang="hu-HU" smtClean="0"/>
-              <a:t>2021.12.06</a:t>
+              <a:t>2021.12.10</a:t>
             </a:fld>
             <a:endParaRPr lang="hu-HU"/>
           </a:p>
@@ -4759,7 +4761,7 @@
           <a:p>
             <a:fld id="{886DB799-DD5A-4419-95B3-0B9B9DA0701F}" type="datetimeFigureOut">
               <a:rPr lang="hu-HU" smtClean="0"/>
-              <a:t>2021.12.06</a:t>
+              <a:t>2021.12.10</a:t>
             </a:fld>
             <a:endParaRPr lang="hu-HU"/>
           </a:p>
@@ -4880,7 +4882,7 @@
           <a:p>
             <a:fld id="{886DB799-DD5A-4419-95B3-0B9B9DA0701F}" type="datetimeFigureOut">
               <a:rPr lang="hu-HU" smtClean="0"/>
-              <a:t>2021.12.06</a:t>
+              <a:t>2021.12.10</a:t>
             </a:fld>
             <a:endParaRPr lang="hu-HU"/>
           </a:p>
@@ -4978,7 +4980,7 @@
           <a:p>
             <a:fld id="{886DB799-DD5A-4419-95B3-0B9B9DA0701F}" type="datetimeFigureOut">
               <a:rPr lang="hu-HU" smtClean="0"/>
-              <a:t>2021.12.06</a:t>
+              <a:t>2021.12.10</a:t>
             </a:fld>
             <a:endParaRPr lang="hu-HU"/>
           </a:p>
@@ -5234,7 +5236,7 @@
           <a:p>
             <a:fld id="{886DB799-DD5A-4419-95B3-0B9B9DA0701F}" type="datetimeFigureOut">
               <a:rPr lang="hu-HU" smtClean="0"/>
-              <a:t>2021.12.06</a:t>
+              <a:t>2021.12.10</a:t>
             </a:fld>
             <a:endParaRPr lang="hu-HU"/>
           </a:p>
@@ -5506,7 +5508,7 @@
           <a:p>
             <a:fld id="{886DB799-DD5A-4419-95B3-0B9B9DA0701F}" type="datetimeFigureOut">
               <a:rPr lang="hu-HU" smtClean="0"/>
-              <a:t>2021.12.06</a:t>
+              <a:t>2021.12.10</a:t>
             </a:fld>
             <a:endParaRPr lang="hu-HU"/>
           </a:p>
@@ -5912,7 +5914,7 @@
           <a:p>
             <a:fld id="{886DB799-DD5A-4419-95B3-0B9B9DA0701F}" type="datetimeFigureOut">
               <a:rPr lang="hu-HU" smtClean="0"/>
-              <a:t>2021.12.06</a:t>
+              <a:t>2021.12.10</a:t>
             </a:fld>
             <a:endParaRPr lang="hu-HU"/>
           </a:p>
@@ -6540,7 +6542,6 @@
               <a:rPr lang="hu-HU" dirty="0" smtClean="0"/>
               <a:t>Próbáltuk átadni azt az élményt hogy ezen a helyen zajlik az élet </a:t>
             </a:r>
-            <a:endParaRPr lang="hu-HU" dirty="0" smtClean="0"/>
           </a:p>
         </p:txBody>
       </p:sp>
@@ -6799,7 +6800,7 @@
       </p:grpSpPr>
       <p:sp>
         <p:nvSpPr>
-          <p:cNvPr id="3" name="Cím 2"/>
+          <p:cNvPr id="2" name="Cím 1"/>
           <p:cNvSpPr>
             <a:spLocks noGrp="1"/>
           </p:cNvSpPr>
@@ -6812,14 +6813,629 @@
           <a:bodyPr/>
           <a:lstStyle/>
           <a:p>
+            <a:r>
+              <a:rPr lang="hu-HU" dirty="0" smtClean="0"/>
+              <a:t>Fazekas Botond</a:t>
+            </a:r>
+            <a:endParaRPr lang="hu-HU" dirty="0"/>
+          </a:p>
+        </p:txBody>
+      </p:sp>
+      <p:sp>
+        <p:nvSpPr>
+          <p:cNvPr id="3" name="Tartalom helye 2"/>
+          <p:cNvSpPr>
+            <a:spLocks noGrp="1"/>
+          </p:cNvSpPr>
+          <p:nvPr>
+            <p:ph sz="quarter" idx="13"/>
+          </p:nvPr>
+        </p:nvSpPr>
+        <p:spPr/>
+        <p:txBody>
+          <a:bodyPr anchor="t"/>
+          <a:lstStyle/>
+          <a:p>
+            <a:r>
+              <a:rPr lang="hu-HU" dirty="0" err="1" smtClean="0"/>
+              <a:t>Css</a:t>
+            </a:r>
+            <a:r>
+              <a:rPr lang="hu-HU" dirty="0" smtClean="0"/>
+              <a:t> elkészítése</a:t>
+            </a:r>
+          </a:p>
+          <a:p>
+            <a:r>
+              <a:rPr lang="hu-HU" dirty="0" smtClean="0"/>
+              <a:t>Galéria Elkészítése</a:t>
+            </a:r>
+          </a:p>
+          <a:p>
+            <a:r>
+              <a:rPr lang="hu-HU" dirty="0" smtClean="0"/>
+              <a:t>Képek összegyűjtése</a:t>
+            </a:r>
+          </a:p>
+          <a:p>
+            <a:r>
+              <a:rPr lang="hu-HU" dirty="0" smtClean="0"/>
+              <a:t>HTML-</a:t>
+            </a:r>
+            <a:r>
+              <a:rPr lang="hu-HU" dirty="0" err="1" smtClean="0"/>
+              <a:t>ek</a:t>
+            </a:r>
+            <a:r>
+              <a:rPr lang="hu-HU" dirty="0"/>
+              <a:t> </a:t>
+            </a:r>
+            <a:r>
+              <a:rPr lang="hu-HU" smtClean="0"/>
+              <a:t>kisebb </a:t>
+            </a:r>
+            <a:r>
+              <a:rPr lang="hu-HU" smtClean="0"/>
+              <a:t>szerkesztése</a:t>
+            </a:r>
+            <a:endParaRPr lang="hu-HU" dirty="0" smtClean="0"/>
+          </a:p>
+        </p:txBody>
+      </p:sp>
+    </p:spTree>
+    <p:extLst>
+      <p:ext uri="{BB962C8B-B14F-4D97-AF65-F5344CB8AC3E}">
+        <p14:creationId xmlns:p14="http://schemas.microsoft.com/office/powerpoint/2010/main" val="910134162"/>
+      </p:ext>
+    </p:extLst>
+  </p:cSld>
+  <p:clrMapOvr>
+    <a:masterClrMapping/>
+  </p:clrMapOvr>
+  <p:transition spd="slow">
+    <p:push dir="u"/>
+  </p:transition>
+  <p:timing>
+    <p:tnLst>
+      <p:par>
+        <p:cTn id="1" dur="indefinite" restart="never" nodeType="tmRoot">
+          <p:childTnLst>
+            <p:seq concurrent="1" nextAc="seek">
+              <p:cTn id="2" dur="indefinite" nodeType="mainSeq">
+                <p:childTnLst>
+                  <p:par>
+                    <p:cTn id="3" fill="hold">
+                      <p:stCondLst>
+                        <p:cond delay="indefinite"/>
+                      </p:stCondLst>
+                      <p:childTnLst>
+                        <p:par>
+                          <p:cTn id="4" fill="hold">
+                            <p:stCondLst>
+                              <p:cond delay="0"/>
+                            </p:stCondLst>
+                            <p:childTnLst>
+                              <p:par>
+                                <p:cTn id="5" presetID="16" presetClass="entr" presetSubtype="21" fill="hold" nodeType="clickEffect">
+                                  <p:stCondLst>
+                                    <p:cond delay="0"/>
+                                  </p:stCondLst>
+                                  <p:childTnLst>
+                                    <p:set>
+                                      <p:cBhvr>
+                                        <p:cTn id="6" dur="1" fill="hold">
+                                          <p:stCondLst>
+                                            <p:cond delay="0"/>
+                                          </p:stCondLst>
+                                        </p:cTn>
+                                        <p:tgtEl>
+                                          <p:spTgt spid="3">
+                                            <p:txEl>
+                                              <p:pRg st="0" end="0"/>
+                                            </p:txEl>
+                                          </p:spTgt>
+                                        </p:tgtEl>
+                                        <p:attrNameLst>
+                                          <p:attrName>style.visibility</p:attrName>
+                                        </p:attrNameLst>
+                                      </p:cBhvr>
+                                      <p:to>
+                                        <p:strVal val="visible"/>
+                                      </p:to>
+                                    </p:set>
+                                    <p:animEffect transition="in" filter="barn(inVertical)">
+                                      <p:cBhvr>
+                                        <p:cTn id="7" dur="500"/>
+                                        <p:tgtEl>
+                                          <p:spTgt spid="3">
+                                            <p:txEl>
+                                              <p:pRg st="0" end="0"/>
+                                            </p:txEl>
+                                          </p:spTgt>
+                                        </p:tgtEl>
+                                      </p:cBhvr>
+                                    </p:animEffect>
+                                  </p:childTnLst>
+                                </p:cTn>
+                              </p:par>
+                              <p:par>
+                                <p:cTn id="8" presetID="16" presetClass="entr" presetSubtype="21" fill="hold" nodeType="withEffect">
+                                  <p:stCondLst>
+                                    <p:cond delay="0"/>
+                                  </p:stCondLst>
+                                  <p:childTnLst>
+                                    <p:set>
+                                      <p:cBhvr>
+                                        <p:cTn id="9" dur="1" fill="hold">
+                                          <p:stCondLst>
+                                            <p:cond delay="0"/>
+                                          </p:stCondLst>
+                                        </p:cTn>
+                                        <p:tgtEl>
+                                          <p:spTgt spid="3">
+                                            <p:txEl>
+                                              <p:pRg st="1" end="1"/>
+                                            </p:txEl>
+                                          </p:spTgt>
+                                        </p:tgtEl>
+                                        <p:attrNameLst>
+                                          <p:attrName>style.visibility</p:attrName>
+                                        </p:attrNameLst>
+                                      </p:cBhvr>
+                                      <p:to>
+                                        <p:strVal val="visible"/>
+                                      </p:to>
+                                    </p:set>
+                                    <p:animEffect transition="in" filter="barn(inVertical)">
+                                      <p:cBhvr>
+                                        <p:cTn id="10" dur="500"/>
+                                        <p:tgtEl>
+                                          <p:spTgt spid="3">
+                                            <p:txEl>
+                                              <p:pRg st="1" end="1"/>
+                                            </p:txEl>
+                                          </p:spTgt>
+                                        </p:tgtEl>
+                                      </p:cBhvr>
+                                    </p:animEffect>
+                                  </p:childTnLst>
+                                </p:cTn>
+                              </p:par>
+                              <p:par>
+                                <p:cTn id="11" presetID="16" presetClass="entr" presetSubtype="21" fill="hold" nodeType="withEffect">
+                                  <p:stCondLst>
+                                    <p:cond delay="0"/>
+                                  </p:stCondLst>
+                                  <p:childTnLst>
+                                    <p:set>
+                                      <p:cBhvr>
+                                        <p:cTn id="12" dur="1" fill="hold">
+                                          <p:stCondLst>
+                                            <p:cond delay="0"/>
+                                          </p:stCondLst>
+                                        </p:cTn>
+                                        <p:tgtEl>
+                                          <p:spTgt spid="3">
+                                            <p:txEl>
+                                              <p:pRg st="2" end="2"/>
+                                            </p:txEl>
+                                          </p:spTgt>
+                                        </p:tgtEl>
+                                        <p:attrNameLst>
+                                          <p:attrName>style.visibility</p:attrName>
+                                        </p:attrNameLst>
+                                      </p:cBhvr>
+                                      <p:to>
+                                        <p:strVal val="visible"/>
+                                      </p:to>
+                                    </p:set>
+                                    <p:animEffect transition="in" filter="barn(inVertical)">
+                                      <p:cBhvr>
+                                        <p:cTn id="13" dur="500"/>
+                                        <p:tgtEl>
+                                          <p:spTgt spid="3">
+                                            <p:txEl>
+                                              <p:pRg st="2" end="2"/>
+                                            </p:txEl>
+                                          </p:spTgt>
+                                        </p:tgtEl>
+                                      </p:cBhvr>
+                                    </p:animEffect>
+                                  </p:childTnLst>
+                                </p:cTn>
+                              </p:par>
+                              <p:par>
+                                <p:cTn id="14" presetID="16" presetClass="entr" presetSubtype="21" fill="hold" nodeType="withEffect">
+                                  <p:stCondLst>
+                                    <p:cond delay="0"/>
+                                  </p:stCondLst>
+                                  <p:childTnLst>
+                                    <p:set>
+                                      <p:cBhvr>
+                                        <p:cTn id="15" dur="1" fill="hold">
+                                          <p:stCondLst>
+                                            <p:cond delay="0"/>
+                                          </p:stCondLst>
+                                        </p:cTn>
+                                        <p:tgtEl>
+                                          <p:spTgt spid="3">
+                                            <p:txEl>
+                                              <p:pRg st="3" end="3"/>
+                                            </p:txEl>
+                                          </p:spTgt>
+                                        </p:tgtEl>
+                                        <p:attrNameLst>
+                                          <p:attrName>style.visibility</p:attrName>
+                                        </p:attrNameLst>
+                                      </p:cBhvr>
+                                      <p:to>
+                                        <p:strVal val="visible"/>
+                                      </p:to>
+                                    </p:set>
+                                    <p:animEffect transition="in" filter="barn(inVertical)">
+                                      <p:cBhvr>
+                                        <p:cTn id="16" dur="500"/>
+                                        <p:tgtEl>
+                                          <p:spTgt spid="3">
+                                            <p:txEl>
+                                              <p:pRg st="3" end="3"/>
+                                            </p:txEl>
+                                          </p:spTgt>
+                                        </p:tgtEl>
+                                      </p:cBhvr>
+                                    </p:animEffect>
+                                  </p:childTnLst>
+                                </p:cTn>
+                              </p:par>
+                            </p:childTnLst>
+                          </p:cTn>
+                        </p:par>
+                      </p:childTnLst>
+                    </p:cTn>
+                  </p:par>
+                </p:childTnLst>
+              </p:cTn>
+              <p:prevCondLst>
+                <p:cond evt="onPrev" delay="0">
+                  <p:tgtEl>
+                    <p:sldTgt/>
+                  </p:tgtEl>
+                </p:cond>
+              </p:prevCondLst>
+              <p:nextCondLst>
+                <p:cond evt="onNext" delay="0">
+                  <p:tgtEl>
+                    <p:sldTgt/>
+                  </p:tgtEl>
+                </p:cond>
+              </p:nextCondLst>
+            </p:seq>
+          </p:childTnLst>
+        </p:cTn>
+      </p:par>
+    </p:tnLst>
+  </p:timing>
+</p:sld>
+</file>
+
+<file path=ppt/slides/slide4.xml><?xml version="1.0" encoding="utf-8"?>
+<p:sld xmlns:a="http://schemas.openxmlformats.org/drawingml/2006/main" xmlns:r="http://schemas.openxmlformats.org/officeDocument/2006/relationships" xmlns:p="http://schemas.openxmlformats.org/presentationml/2006/main">
+  <p:cSld>
+    <p:spTree>
+      <p:nvGrpSpPr>
+        <p:cNvPr id="1" name=""/>
+        <p:cNvGrpSpPr/>
+        <p:nvPr/>
+      </p:nvGrpSpPr>
+      <p:grpSpPr>
+        <a:xfrm>
+          <a:off x="0" y="0"/>
+          <a:ext cx="0" cy="0"/>
+          <a:chOff x="0" y="0"/>
+          <a:chExt cx="0" cy="0"/>
+        </a:xfrm>
+      </p:grpSpPr>
+      <p:sp>
+        <p:nvSpPr>
+          <p:cNvPr id="2" name="Cím 1"/>
+          <p:cNvSpPr>
+            <a:spLocks noGrp="1"/>
+          </p:cNvSpPr>
+          <p:nvPr>
+            <p:ph type="title"/>
+          </p:nvPr>
+        </p:nvSpPr>
+        <p:spPr/>
+        <p:txBody>
+          <a:bodyPr/>
+          <a:lstStyle/>
+          <a:p>
+            <a:r>
+              <a:rPr lang="hu-HU" dirty="0" smtClean="0"/>
+              <a:t>Kovács Péter</a:t>
+            </a:r>
+            <a:endParaRPr lang="hu-HU" dirty="0"/>
+          </a:p>
+        </p:txBody>
+      </p:sp>
+      <p:sp>
+        <p:nvSpPr>
+          <p:cNvPr id="3" name="Tartalom helye 2"/>
+          <p:cNvSpPr>
+            <a:spLocks noGrp="1"/>
+          </p:cNvSpPr>
+          <p:nvPr>
+            <p:ph sz="quarter" idx="13"/>
+          </p:nvPr>
+        </p:nvSpPr>
+        <p:spPr/>
+        <p:txBody>
+          <a:bodyPr anchor="t"/>
+          <a:lstStyle/>
+          <a:p>
+            <a:r>
+              <a:rPr lang="hu-HU" dirty="0" smtClean="0"/>
+              <a:t>HTML-</a:t>
+            </a:r>
+            <a:r>
+              <a:rPr lang="hu-HU" dirty="0" err="1" smtClean="0"/>
+              <a:t>ek</a:t>
+            </a:r>
+            <a:r>
+              <a:rPr lang="hu-HU" dirty="0" smtClean="0"/>
+              <a:t> elkészítése</a:t>
+            </a:r>
+          </a:p>
+          <a:p>
+            <a:r>
+              <a:rPr lang="hu-HU" dirty="0" smtClean="0"/>
+              <a:t>Szövegek írása</a:t>
+            </a:r>
+          </a:p>
+          <a:p>
+            <a:r>
+              <a:rPr lang="hu-HU" dirty="0" err="1" smtClean="0"/>
+              <a:t>PPt</a:t>
+            </a:r>
+            <a:r>
+              <a:rPr lang="hu-HU" dirty="0" smtClean="0"/>
+              <a:t> elkészítése</a:t>
+            </a:r>
+          </a:p>
+          <a:p>
+            <a:endParaRPr lang="hu-HU" dirty="0"/>
+          </a:p>
+        </p:txBody>
+      </p:sp>
+    </p:spTree>
+    <p:extLst>
+      <p:ext uri="{BB962C8B-B14F-4D97-AF65-F5344CB8AC3E}">
+        <p14:creationId xmlns:p14="http://schemas.microsoft.com/office/powerpoint/2010/main" val="862152051"/>
+      </p:ext>
+    </p:extLst>
+  </p:cSld>
+  <p:clrMapOvr>
+    <a:masterClrMapping/>
+  </p:clrMapOvr>
+  <p:transition spd="slow">
+    <p:push dir="u"/>
+  </p:transition>
+  <p:timing>
+    <p:tnLst>
+      <p:par>
+        <p:cTn id="1" dur="indefinite" restart="never" nodeType="tmRoot">
+          <p:childTnLst>
+            <p:seq concurrent="1" nextAc="seek">
+              <p:cTn id="2" dur="indefinite" nodeType="mainSeq">
+                <p:childTnLst>
+                  <p:par>
+                    <p:cTn id="3" fill="hold">
+                      <p:stCondLst>
+                        <p:cond delay="indefinite"/>
+                      </p:stCondLst>
+                      <p:childTnLst>
+                        <p:par>
+                          <p:cTn id="4" fill="hold">
+                            <p:stCondLst>
+                              <p:cond delay="0"/>
+                            </p:stCondLst>
+                            <p:childTnLst>
+                              <p:par>
+                                <p:cTn id="5" presetID="16" presetClass="entr" presetSubtype="21" fill="hold" nodeType="clickEffect">
+                                  <p:stCondLst>
+                                    <p:cond delay="0"/>
+                                  </p:stCondLst>
+                                  <p:childTnLst>
+                                    <p:set>
+                                      <p:cBhvr>
+                                        <p:cTn id="6" dur="1" fill="hold">
+                                          <p:stCondLst>
+                                            <p:cond delay="0"/>
+                                          </p:stCondLst>
+                                        </p:cTn>
+                                        <p:tgtEl>
+                                          <p:spTgt spid="3">
+                                            <p:txEl>
+                                              <p:pRg st="0" end="0"/>
+                                            </p:txEl>
+                                          </p:spTgt>
+                                        </p:tgtEl>
+                                        <p:attrNameLst>
+                                          <p:attrName>style.visibility</p:attrName>
+                                        </p:attrNameLst>
+                                      </p:cBhvr>
+                                      <p:to>
+                                        <p:strVal val="visible"/>
+                                      </p:to>
+                                    </p:set>
+                                    <p:animEffect transition="in" filter="barn(inVertical)">
+                                      <p:cBhvr>
+                                        <p:cTn id="7" dur="500"/>
+                                        <p:tgtEl>
+                                          <p:spTgt spid="3">
+                                            <p:txEl>
+                                              <p:pRg st="0" end="0"/>
+                                            </p:txEl>
+                                          </p:spTgt>
+                                        </p:tgtEl>
+                                      </p:cBhvr>
+                                    </p:animEffect>
+                                  </p:childTnLst>
+                                </p:cTn>
+                              </p:par>
+                              <p:par>
+                                <p:cTn id="8" presetID="16" presetClass="entr" presetSubtype="21" fill="hold" nodeType="withEffect">
+                                  <p:stCondLst>
+                                    <p:cond delay="0"/>
+                                  </p:stCondLst>
+                                  <p:childTnLst>
+                                    <p:set>
+                                      <p:cBhvr>
+                                        <p:cTn id="9" dur="1" fill="hold">
+                                          <p:stCondLst>
+                                            <p:cond delay="0"/>
+                                          </p:stCondLst>
+                                        </p:cTn>
+                                        <p:tgtEl>
+                                          <p:spTgt spid="3">
+                                            <p:txEl>
+                                              <p:pRg st="1" end="1"/>
+                                            </p:txEl>
+                                          </p:spTgt>
+                                        </p:tgtEl>
+                                        <p:attrNameLst>
+                                          <p:attrName>style.visibility</p:attrName>
+                                        </p:attrNameLst>
+                                      </p:cBhvr>
+                                      <p:to>
+                                        <p:strVal val="visible"/>
+                                      </p:to>
+                                    </p:set>
+                                    <p:animEffect transition="in" filter="barn(inVertical)">
+                                      <p:cBhvr>
+                                        <p:cTn id="10" dur="500"/>
+                                        <p:tgtEl>
+                                          <p:spTgt spid="3">
+                                            <p:txEl>
+                                              <p:pRg st="1" end="1"/>
+                                            </p:txEl>
+                                          </p:spTgt>
+                                        </p:tgtEl>
+                                      </p:cBhvr>
+                                    </p:animEffect>
+                                  </p:childTnLst>
+                                </p:cTn>
+                              </p:par>
+                              <p:par>
+                                <p:cTn id="11" presetID="16" presetClass="entr" presetSubtype="21" fill="hold" nodeType="withEffect">
+                                  <p:stCondLst>
+                                    <p:cond delay="0"/>
+                                  </p:stCondLst>
+                                  <p:childTnLst>
+                                    <p:set>
+                                      <p:cBhvr>
+                                        <p:cTn id="12" dur="1" fill="hold">
+                                          <p:stCondLst>
+                                            <p:cond delay="0"/>
+                                          </p:stCondLst>
+                                        </p:cTn>
+                                        <p:tgtEl>
+                                          <p:spTgt spid="3">
+                                            <p:txEl>
+                                              <p:pRg st="2" end="2"/>
+                                            </p:txEl>
+                                          </p:spTgt>
+                                        </p:tgtEl>
+                                        <p:attrNameLst>
+                                          <p:attrName>style.visibility</p:attrName>
+                                        </p:attrNameLst>
+                                      </p:cBhvr>
+                                      <p:to>
+                                        <p:strVal val="visible"/>
+                                      </p:to>
+                                    </p:set>
+                                    <p:animEffect transition="in" filter="barn(inVertical)">
+                                      <p:cBhvr>
+                                        <p:cTn id="13" dur="500"/>
+                                        <p:tgtEl>
+                                          <p:spTgt spid="3">
+                                            <p:txEl>
+                                              <p:pRg st="2" end="2"/>
+                                            </p:txEl>
+                                          </p:spTgt>
+                                        </p:tgtEl>
+                                      </p:cBhvr>
+                                    </p:animEffect>
+                                  </p:childTnLst>
+                                </p:cTn>
+                              </p:par>
+                            </p:childTnLst>
+                          </p:cTn>
+                        </p:par>
+                      </p:childTnLst>
+                    </p:cTn>
+                  </p:par>
+                </p:childTnLst>
+              </p:cTn>
+              <p:prevCondLst>
+                <p:cond evt="onPrev" delay="0">
+                  <p:tgtEl>
+                    <p:sldTgt/>
+                  </p:tgtEl>
+                </p:cond>
+              </p:prevCondLst>
+              <p:nextCondLst>
+                <p:cond evt="onNext" delay="0">
+                  <p:tgtEl>
+                    <p:sldTgt/>
+                  </p:tgtEl>
+                </p:cond>
+              </p:nextCondLst>
+            </p:seq>
+          </p:childTnLst>
+        </p:cTn>
+      </p:par>
+    </p:tnLst>
+  </p:timing>
+</p:sld>
+</file>
+
+<file path=ppt/slides/slide5.xml><?xml version="1.0" encoding="utf-8"?>
+<p:sld xmlns:a="http://schemas.openxmlformats.org/drawingml/2006/main" xmlns:r="http://schemas.openxmlformats.org/officeDocument/2006/relationships" xmlns:p="http://schemas.openxmlformats.org/presentationml/2006/main">
+  <p:cSld>
+    <p:spTree>
+      <p:nvGrpSpPr>
+        <p:cNvPr id="1" name=""/>
+        <p:cNvGrpSpPr/>
+        <p:nvPr/>
+      </p:nvGrpSpPr>
+      <p:grpSpPr>
+        <a:xfrm>
+          <a:off x="0" y="0"/>
+          <a:ext cx="0" cy="0"/>
+          <a:chOff x="0" y="0"/>
+          <a:chExt cx="0" cy="0"/>
+        </a:xfrm>
+      </p:grpSpPr>
+      <p:sp>
+        <p:nvSpPr>
+          <p:cNvPr id="3" name="Cím 2"/>
+          <p:cNvSpPr>
+            <a:spLocks noGrp="1"/>
+          </p:cNvSpPr>
+          <p:nvPr>
+            <p:ph type="title"/>
+          </p:nvPr>
+        </p:nvSpPr>
+        <p:spPr/>
+        <p:txBody>
+          <a:bodyPr/>
+          <a:lstStyle/>
+          <a:p>
             <a:pPr algn="ctr"/>
             <a:r>
               <a:rPr lang="hu-HU" dirty="0" smtClean="0"/>
-              <a:t>Na lássuk a </a:t>
-            </a:r>
-            <a:r>
-              <a:rPr lang="hu-HU" dirty="0" err="1" smtClean="0"/>
-              <a:t>wboldalt</a:t>
+              <a:t>Na lássuk a weboldalt</a:t>
             </a:r>
             <a:endParaRPr lang="hu-HU" dirty="0"/>
           </a:p>
@@ -6852,16 +7468,7 @@
                 </a:solidFill>
                 <a:hlinkClick r:id="rId2"/>
               </a:rPr>
-              <a:t>Weblap </a:t>
-            </a:r>
-            <a:r>
-              <a:rPr lang="hu-HU" sz="4800" dirty="0" smtClean="0">
-                <a:solidFill>
-                  <a:schemeClr val="accent1"/>
-                </a:solidFill>
-                <a:hlinkClick r:id="rId2"/>
-              </a:rPr>
-              <a:t>linkje</a:t>
+              <a:t>Weblap linkje</a:t>
             </a:r>
             <a:endParaRPr lang="hu-HU" sz="4800" dirty="0">
               <a:solidFill>

--- a/Tréfa Iszogató.pptx
+++ b/Tréfa Iszogató.pptx
@@ -6871,14 +6871,9 @@
               <a:t> </a:t>
             </a:r>
             <a:r>
-              <a:rPr lang="hu-HU" smtClean="0"/>
-              <a:t>kisebb </a:t>
-            </a:r>
-            <a:r>
-              <a:rPr lang="hu-HU" smtClean="0"/>
-              <a:t>szerkesztése</a:t>
-            </a:r>
-            <a:endParaRPr lang="hu-HU" dirty="0" smtClean="0"/>
+              <a:rPr lang="hu-HU" dirty="0" smtClean="0"/>
+              <a:t>kisebb szerkesztése</a:t>
+            </a:r>
           </a:p>
         </p:txBody>
       </p:sp>
@@ -7199,8 +7194,35 @@
             </a:r>
             <a:r>
               <a:rPr lang="hu-HU" dirty="0" smtClean="0"/>
-              <a:t> elkészítése</a:t>
-            </a:r>
+              <a:t> </a:t>
+            </a:r>
+            <a:r>
+              <a:rPr lang="hu-HU" dirty="0" smtClean="0"/>
+              <a:t>elkészítése</a:t>
+            </a:r>
+          </a:p>
+          <a:p>
+            <a:r>
+              <a:rPr lang="hu-HU" dirty="0" smtClean="0"/>
+              <a:t>Űrlap </a:t>
+            </a:r>
+            <a:r>
+              <a:rPr lang="hu-HU" dirty="0" err="1" smtClean="0"/>
+              <a:t>elészítése</a:t>
+            </a:r>
+            <a:r>
+              <a:rPr lang="hu-HU" dirty="0" smtClean="0"/>
+              <a:t> és annak </a:t>
+            </a:r>
+            <a:r>
+              <a:rPr lang="hu-HU" dirty="0" err="1" smtClean="0"/>
+              <a:t>css</a:t>
+            </a:r>
+            <a:r>
+              <a:rPr lang="hu-HU" dirty="0" smtClean="0"/>
+              <a:t>-e</a:t>
+            </a:r>
+            <a:endParaRPr lang="hu-HU" dirty="0" smtClean="0"/>
           </a:p>
           <a:p>
             <a:endParaRPr lang="hu-HU" dirty="0"/>
@@ -7361,6 +7383,49 @@
                                           <p:spTgt spid="3">
                                             <p:txEl>
                                               <p:pRg st="2" end="2"/>
+                                            </p:txEl>
+                                          </p:spTgt>
+                                        </p:tgtEl>
+                                      </p:cBhvr>
+                                    </p:animEffect>
+                                  </p:childTnLst>
+                                </p:cTn>
+                              </p:par>
+                              <p:par>
+                                <p:cTn id="14" presetID="16" presetClass="entr" presetSubtype="21" fill="hold" nodeType="withEffect">
+                                  <p:stCondLst>
+                                    <p:cond delay="0"/>
+                                  </p:stCondLst>
+                                  <p:childTnLst>
+                                    <p:set>
+                                      <p:cBhvr>
+                                        <p:cTn id="15" dur="1" fill="hold">
+                                          <p:stCondLst>
+                                            <p:cond delay="0"/>
+                                          </p:stCondLst>
+                                        </p:cTn>
+                                        <p:tgtEl>
+                                          <p:spTgt spid="3">
+                                            <p:txEl>
+                                              <p:pRg st="3" end="3"/>
+                                            </p:txEl>
+                                          </p:spTgt>
+                                        </p:tgtEl>
+                                        <p:attrNameLst>
+                                          <p:attrName>style.visibility</p:attrName>
+                                        </p:attrNameLst>
+                                      </p:cBhvr>
+                                      <p:to>
+                                        <p:strVal val="visible"/>
+                                      </p:to>
+                                    </p:set>
+                                    <p:animEffect transition="in" filter="barn(inVertical)">
+                                      <p:cBhvr>
+                                        <p:cTn id="16" dur="500"/>
+                                        <p:tgtEl>
+                                          <p:spTgt spid="3">
+                                            <p:txEl>
+                                              <p:pRg st="3" end="3"/>
                                             </p:txEl>
                                           </p:spTgt>
                                         </p:tgtEl>
